--- a/Smart Testing Console.pptx
+++ b/Smart Testing Console.pptx
@@ -5,17 +5,19 @@
     <p:sldMasterId id="2147483648" r:id="rId4"/>
   </p:sldMasterIdLst>
   <p:notesMasterIdLst>
-    <p:notesMasterId r:id="rId10"/>
+    <p:notesMasterId r:id="rId12"/>
   </p:notesMasterIdLst>
   <p:handoutMasterIdLst>
-    <p:handoutMasterId r:id="rId11"/>
+    <p:handoutMasterId r:id="rId13"/>
   </p:handoutMasterIdLst>
   <p:sldIdLst>
     <p:sldId id="256" r:id="rId5"/>
     <p:sldId id="3849" r:id="rId6"/>
     <p:sldId id="261" r:id="rId7"/>
     <p:sldId id="3852" r:id="rId8"/>
-    <p:sldId id="3847" r:id="rId9"/>
+    <p:sldId id="3854" r:id="rId9"/>
+    <p:sldId id="3853" r:id="rId10"/>
+    <p:sldId id="3847" r:id="rId11"/>
   </p:sldIdLst>
   <p:sldSz cx="12192000" cy="6858000"/>
   <p:notesSz cx="6858000" cy="9144000"/>
@@ -1094,7 +1096,7 @@
           <a:p>
             <a:fld id="{8B57D50D-BAA9-464B-B391-243138E078D8}" type="slidenum">
               <a:rPr lang="en-US" smtClean="0"/>
-              <a:t>5</a:t>
+              <a:t>7</a:t>
             </a:fld>
             <a:endParaRPr lang="en-US" dirty="0"/>
           </a:p>
@@ -10863,7 +10865,7 @@
               <a:rPr lang="en-US" sz="2000" dirty="0">
                 <a:latin typeface="Aptos" panose="020B0004020202020204" pitchFamily="34" charset="0"/>
               </a:rPr>
-              <a:t>Implements Multiple Test Cases both for Web Scraping and API testing, test grouping with test suites</a:t>
+              <a:t>Leverages Jenkins Rest API for processing and building jobs</a:t>
             </a:r>
           </a:p>
           <a:p>
@@ -10871,7 +10873,7 @@
               <a:rPr lang="en-US" sz="2000" dirty="0">
                 <a:latin typeface="Aptos" panose="020B0004020202020204" pitchFamily="34" charset="0"/>
               </a:rPr>
-              <a:t>Implements parameterized configuration which can dynamically change the Browser used, Log mode, Head-less mode for testing through multiple sources such as maven parameters, suite parameters and default parameters</a:t>
+              <a:t>Implements Spring boot as a proxy server that securely stores the credentials and data</a:t>
             </a:r>
           </a:p>
           <a:p>
@@ -10879,17 +10881,16 @@
               <a:rPr lang="en-US" sz="2000" dirty="0">
                 <a:latin typeface="Aptos" panose="020B0004020202020204" pitchFamily="34" charset="0"/>
               </a:rPr>
-              <a:t>Implements custom report generation and sending over email using TestNG &amp; </a:t>
+              <a:t>Leverages React frontend for easy Visual interaction for not tech users</a:t>
             </a:r>
+          </a:p>
+          <a:p>
             <a:r>
-              <a:rPr lang="en-US" sz="2000" dirty="0" err="1">
+              <a:rPr lang="en-US" sz="2000" dirty="0">
                 <a:latin typeface="Aptos" panose="020B0004020202020204" pitchFamily="34" charset="0"/>
               </a:rPr>
-              <a:t>javax.mail</a:t>
+              <a:t>Supports Folder traversal, Job detail listing, previous build history, Job trigger with/without parameters, Triggering  job with custom selected test cases, Generative AI integration for Job Faliure resolution</a:t>
             </a:r>
-            <a:endParaRPr lang="en-US" sz="2000" dirty="0">
-              <a:latin typeface="Aptos" panose="020B0004020202020204" pitchFamily="34" charset="0"/>
-            </a:endParaRPr>
           </a:p>
         </p:txBody>
       </p:sp>
@@ -10928,6 +10929,229 @@
           <p:cNvPr id="2" name="Title 1">
             <a:extLst>
               <a:ext uri="{FF2B5EF4-FFF2-40B4-BE49-F238E27FC236}">
+                <a16:creationId xmlns:a16="http://schemas.microsoft.com/office/drawing/2014/main" id="{5EF3B1D4-F960-8789-F9EC-382FBF5207A9}"/>
+              </a:ext>
+            </a:extLst>
+          </p:cNvPr>
+          <p:cNvSpPr>
+            <a:spLocks noGrp="1"/>
+          </p:cNvSpPr>
+          <p:nvPr>
+            <p:ph type="title"/>
+          </p:nvPr>
+        </p:nvSpPr>
+        <p:spPr/>
+        <p:txBody>
+          <a:bodyPr/>
+          <a:lstStyle/>
+          <a:p>
+            <a:r>
+              <a:rPr lang="en-US" dirty="0"/>
+              <a:t>User Flow Diagrams</a:t>
+            </a:r>
+          </a:p>
+        </p:txBody>
+      </p:sp>
+      <p:pic>
+        <p:nvPicPr>
+          <p:cNvPr id="5" name="Picture 4">
+            <a:extLst>
+              <a:ext uri="{FF2B5EF4-FFF2-40B4-BE49-F238E27FC236}">
+                <a16:creationId xmlns:a16="http://schemas.microsoft.com/office/drawing/2014/main" id="{264EBE53-6441-F9F6-73BF-D60DAA98FCC9}"/>
+              </a:ext>
+            </a:extLst>
+          </p:cNvPr>
+          <p:cNvPicPr>
+            <a:picLocks noChangeAspect="1"/>
+          </p:cNvPicPr>
+          <p:nvPr/>
+        </p:nvPicPr>
+        <p:blipFill>
+          <a:blip r:embed="rId2">
+            <a:extLst>
+              <a:ext uri="{28A0092B-C50C-407E-A947-70E740481C1C}">
+                <a14:useLocalDpi xmlns:a14="http://schemas.microsoft.com/office/drawing/2010/main" val="0"/>
+              </a:ext>
+            </a:extLst>
+          </a:blip>
+          <a:srcRect/>
+          <a:stretch/>
+        </p:blipFill>
+        <p:spPr>
+          <a:xfrm>
+            <a:off x="5023700" y="2693136"/>
+            <a:ext cx="5203258" cy="2019300"/>
+          </a:xfrm>
+          <a:prstGeom prst="rect">
+            <a:avLst/>
+          </a:prstGeom>
+        </p:spPr>
+      </p:pic>
+      <p:pic>
+        <p:nvPicPr>
+          <p:cNvPr id="7" name="Picture 6" descr="A diagram of a flowchart&#10;&#10;AI-generated content may be incorrect.">
+            <a:extLst>
+              <a:ext uri="{FF2B5EF4-FFF2-40B4-BE49-F238E27FC236}">
+                <a16:creationId xmlns:a16="http://schemas.microsoft.com/office/drawing/2014/main" id="{FDFC6849-AD22-E292-8AE4-A5286D356D6C}"/>
+              </a:ext>
+            </a:extLst>
+          </p:cNvPr>
+          <p:cNvPicPr>
+            <a:picLocks noChangeAspect="1"/>
+          </p:cNvPicPr>
+          <p:nvPr/>
+        </p:nvPicPr>
+        <p:blipFill>
+          <a:blip r:embed="rId3">
+            <a:extLst>
+              <a:ext uri="{28A0092B-C50C-407E-A947-70E740481C1C}">
+                <a14:useLocalDpi xmlns:a14="http://schemas.microsoft.com/office/drawing/2010/main" val="0"/>
+              </a:ext>
+            </a:extLst>
+          </a:blip>
+          <a:stretch>
+            <a:fillRect/>
+          </a:stretch>
+        </p:blipFill>
+        <p:spPr>
+          <a:xfrm>
+            <a:off x="1549148" y="1752884"/>
+            <a:ext cx="2541071" cy="4350548"/>
+          </a:xfrm>
+          <a:prstGeom prst="rect">
+            <a:avLst/>
+          </a:prstGeom>
+        </p:spPr>
+      </p:pic>
+    </p:spTree>
+    <p:extLst>
+      <p:ext uri="{BB962C8B-B14F-4D97-AF65-F5344CB8AC3E}">
+        <p14:creationId xmlns:p14="http://schemas.microsoft.com/office/powerpoint/2010/main" val="1242864827"/>
+      </p:ext>
+    </p:extLst>
+  </p:cSld>
+  <p:clrMapOvr>
+    <a:masterClrMapping/>
+  </p:clrMapOvr>
+</p:sld>
+</file>
+
+<file path=ppt/slides/slide6.xml><?xml version="1.0" encoding="utf-8"?>
+<p:sld xmlns:a="http://schemas.openxmlformats.org/drawingml/2006/main" xmlns:r="http://schemas.openxmlformats.org/officeDocument/2006/relationships" xmlns:p="http://schemas.openxmlformats.org/presentationml/2006/main">
+  <p:cSld>
+    <p:spTree>
+      <p:nvGrpSpPr>
+        <p:cNvPr id="1" name=""/>
+        <p:cNvGrpSpPr/>
+        <p:nvPr/>
+      </p:nvGrpSpPr>
+      <p:grpSpPr>
+        <a:xfrm>
+          <a:off x="0" y="0"/>
+          <a:ext cx="0" cy="0"/>
+          <a:chOff x="0" y="0"/>
+          <a:chExt cx="0" cy="0"/>
+        </a:xfrm>
+      </p:grpSpPr>
+      <p:sp>
+        <p:nvSpPr>
+          <p:cNvPr id="2" name="Title 1">
+            <a:extLst>
+              <a:ext uri="{FF2B5EF4-FFF2-40B4-BE49-F238E27FC236}">
+                <a16:creationId xmlns:a16="http://schemas.microsoft.com/office/drawing/2014/main" id="{29C7BC6B-E82D-8E5F-26BB-2EE0F30E0185}"/>
+              </a:ext>
+            </a:extLst>
+          </p:cNvPr>
+          <p:cNvSpPr>
+            <a:spLocks noGrp="1"/>
+          </p:cNvSpPr>
+          <p:nvPr>
+            <p:ph type="title"/>
+          </p:nvPr>
+        </p:nvSpPr>
+        <p:spPr/>
+        <p:txBody>
+          <a:bodyPr/>
+          <a:lstStyle/>
+          <a:p>
+            <a:r>
+              <a:rPr lang="en-US" dirty="0"/>
+              <a:t>Sequence Diagram</a:t>
+            </a:r>
+          </a:p>
+        </p:txBody>
+      </p:sp>
+      <p:pic>
+        <p:nvPicPr>
+          <p:cNvPr id="5" name="Picture 4" descr="A diagram of a work flow&#10;&#10;AI-generated content may be incorrect.">
+            <a:extLst>
+              <a:ext uri="{FF2B5EF4-FFF2-40B4-BE49-F238E27FC236}">
+                <a16:creationId xmlns:a16="http://schemas.microsoft.com/office/drawing/2014/main" id="{486B43F1-821A-104E-1FB3-7EBDCA9FF3E6}"/>
+              </a:ext>
+            </a:extLst>
+          </p:cNvPr>
+          <p:cNvPicPr>
+            <a:picLocks noChangeAspect="1"/>
+          </p:cNvPicPr>
+          <p:nvPr/>
+        </p:nvPicPr>
+        <p:blipFill>
+          <a:blip r:embed="rId2">
+            <a:extLst>
+              <a:ext uri="{28A0092B-C50C-407E-A947-70E740481C1C}">
+                <a14:useLocalDpi xmlns:a14="http://schemas.microsoft.com/office/drawing/2010/main" val="0"/>
+              </a:ext>
+            </a:extLst>
+          </a:blip>
+          <a:stretch>
+            <a:fillRect/>
+          </a:stretch>
+        </p:blipFill>
+        <p:spPr>
+          <a:xfrm>
+            <a:off x="2004332" y="1677682"/>
+            <a:ext cx="7444468" cy="4743527"/>
+          </a:xfrm>
+          <a:prstGeom prst="rect">
+            <a:avLst/>
+          </a:prstGeom>
+        </p:spPr>
+      </p:pic>
+    </p:spTree>
+    <p:extLst>
+      <p:ext uri="{BB962C8B-B14F-4D97-AF65-F5344CB8AC3E}">
+        <p14:creationId xmlns:p14="http://schemas.microsoft.com/office/powerpoint/2010/main" val="2025891682"/>
+      </p:ext>
+    </p:extLst>
+  </p:cSld>
+  <p:clrMapOvr>
+    <a:masterClrMapping/>
+  </p:clrMapOvr>
+</p:sld>
+</file>
+
+<file path=ppt/slides/slide7.xml><?xml version="1.0" encoding="utf-8"?>
+<p:sld xmlns:a="http://schemas.openxmlformats.org/drawingml/2006/main" xmlns:r="http://schemas.openxmlformats.org/officeDocument/2006/relationships" xmlns:p="http://schemas.openxmlformats.org/presentationml/2006/main">
+  <p:cSld>
+    <p:spTree>
+      <p:nvGrpSpPr>
+        <p:cNvPr id="1" name=""/>
+        <p:cNvGrpSpPr/>
+        <p:nvPr/>
+      </p:nvGrpSpPr>
+      <p:grpSpPr>
+        <a:xfrm>
+          <a:off x="0" y="0"/>
+          <a:ext cx="0" cy="0"/>
+          <a:chOff x="0" y="0"/>
+          <a:chExt cx="0" cy="0"/>
+        </a:xfrm>
+      </p:grpSpPr>
+      <p:sp>
+        <p:nvSpPr>
+          <p:cNvPr id="2" name="Title 1">
+            <a:extLst>
+              <a:ext uri="{FF2B5EF4-FFF2-40B4-BE49-F238E27FC236}">
                 <a16:creationId xmlns:a16="http://schemas.microsoft.com/office/drawing/2014/main" id="{28BAC361-0D7A-DC05-86B5-6DD77D322F5B}"/>
               </a:ext>
             </a:extLst>
@@ -10987,26 +11211,18 @@
           <a:lstStyle/>
           <a:p>
             <a:r>
-              <a:rPr lang="en-US" dirty="0"/>
-              <a:t>Brita Tamm</a:t>
+              <a:rPr lang="en-US" dirty="0">
+                <a:latin typeface="Aptos" panose="020B0004020202020204" pitchFamily="34" charset="0"/>
+              </a:rPr>
+              <a:t>Khushal Jangid</a:t>
             </a:r>
           </a:p>
           <a:p>
             <a:r>
-              <a:rPr lang="en-US" dirty="0"/>
-              <a:t>502-555-0152</a:t>
-            </a:r>
-          </a:p>
-          <a:p>
-            <a:r>
-              <a:rPr lang="en-US" dirty="0"/>
-              <a:t>brita@firstupconsultants.com</a:t>
-            </a:r>
-          </a:p>
-          <a:p>
-            <a:r>
-              <a:rPr lang="en-US" dirty="0"/>
-              <a:t>www.firstupconsultants.com</a:t>
+              <a:rPr lang="en-US" dirty="0">
+                <a:latin typeface="Aptos" panose="020B0004020202020204" pitchFamily="34" charset="0"/>
+              </a:rPr>
+              <a:t>khushal.jangid@accenture.com</a:t>
             </a:r>
           </a:p>
         </p:txBody>
@@ -11856,6 +12072,35 @@
 </file>
 
 <file path=customXml/item1.xml><?xml version="1.0" encoding="utf-8"?>
+<p:properties xmlns:p="http://schemas.microsoft.com/office/2006/metadata/properties" xmlns:xsi="http://www.w3.org/2001/XMLSchema-instance" xmlns:pc="http://schemas.microsoft.com/office/infopath/2007/PartnerControls">
+  <documentManagement>
+    <_ip_UnifiedCompliancePolicyUIAction xmlns="http://schemas.microsoft.com/sharepoint/v3" xsi:nil="true"/>
+    <Image xmlns="71af3243-3dd4-4a8d-8c0d-dd76da1f02a5">
+      <Url xsi:nil="true"/>
+      <Description xsi:nil="true"/>
+    </Image>
+    <Status xmlns="71af3243-3dd4-4a8d-8c0d-dd76da1f02a5">Not started</Status>
+    <Background xmlns="71af3243-3dd4-4a8d-8c0d-dd76da1f02a5">false</Background>
+    <_ip_UnifiedCompliancePolicyProperties xmlns="http://schemas.microsoft.com/sharepoint/v3" xsi:nil="true"/>
+    <ImageTagsTaxHTField xmlns="71af3243-3dd4-4a8d-8c0d-dd76da1f02a5">
+      <Terms xmlns="http://schemas.microsoft.com/office/infopath/2007/PartnerControls"/>
+    </ImageTagsTaxHTField>
+    <TaxCatchAll xmlns="230e9df3-be65-4c73-a93b-d1236ebd677e" xsi:nil="true"/>
+    <MediaServiceKeyPoints xmlns="71af3243-3dd4-4a8d-8c0d-dd76da1f02a5" xsi:nil="true"/>
+  </documentManagement>
+</p:properties>
+</file>
+
+<file path=customXml/item2.xml><?xml version="1.0" encoding="utf-8"?>
+<?mso-contentType ?>
+<FormTemplates xmlns="http://schemas.microsoft.com/sharepoint/v3/contenttype/forms">
+  <Display>DocumentLibraryForm</Display>
+  <Edit>DocumentLibraryForm</Edit>
+  <New>DocumentLibraryForm</New>
+</FormTemplates>
+</file>
+
+<file path=customXml/item3.xml><?xml version="1.0" encoding="utf-8"?>
 <ct:contentTypeSchema xmlns:ct="http://schemas.microsoft.com/office/2006/metadata/contentType" xmlns:ma="http://schemas.microsoft.com/office/2006/metadata/properties/metaAttributes" ct:_="" ma:_="" ma:contentTypeName="Document" ma:contentTypeID="0x01010079F111ED35F8CC479449609E8A0923A6" ma:contentTypeVersion="28" ma:contentTypeDescription="Create a new document." ma:contentTypeScope="" ma:versionID="60f5a4f2d2b0abadcf532d48ebf9cb71">
   <xsd:schema xmlns:xsd="http://www.w3.org/2001/XMLSchema" xmlns:xs="http://www.w3.org/2001/XMLSchema" xmlns:p="http://schemas.microsoft.com/office/2006/metadata/properties" xmlns:ns1="http://schemas.microsoft.com/sharepoint/v3" xmlns:ns2="71af3243-3dd4-4a8d-8c0d-dd76da1f02a5" xmlns:ns3="16c05727-aa75-4e4a-9b5f-8a80a1165891" xmlns:ns4="230e9df3-be65-4c73-a93b-d1236ebd677e" targetNamespace="http://schemas.microsoft.com/office/2006/metadata/properties" ma:root="true" ma:fieldsID="7dd78129e6a1811f84807ad11c651531" ns1:_="" ns2:_="" ns3:_="" ns4:_="">
     <xsd:import namespace="http://schemas.microsoft.com/sharepoint/v3"/>
@@ -12167,36 +12412,27 @@
 </ct:contentTypeSchema>
 </file>
 
-<file path=customXml/item2.xml><?xml version="1.0" encoding="utf-8"?>
-<?mso-contentType ?>
-<FormTemplates xmlns="http://schemas.microsoft.com/sharepoint/v3/contenttype/forms">
-  <Display>DocumentLibraryForm</Display>
-  <Edit>DocumentLibraryForm</Edit>
-  <New>DocumentLibraryForm</New>
-</FormTemplates>
+<file path=customXml/itemProps1.xml><?xml version="1.0" encoding="utf-8"?>
+<ds:datastoreItem xmlns:ds="http://schemas.openxmlformats.org/officeDocument/2006/customXml" ds:itemID="{E130005B-6102-4F3C-A26F-485DF1BF9717}">
+  <ds:schemaRefs>
+    <ds:schemaRef ds:uri="http://schemas.microsoft.com/office/2006/metadata/properties"/>
+    <ds:schemaRef ds:uri="http://schemas.microsoft.com/office/infopath/2007/PartnerControls"/>
+    <ds:schemaRef ds:uri="http://schemas.microsoft.com/sharepoint/v3"/>
+    <ds:schemaRef ds:uri="71af3243-3dd4-4a8d-8c0d-dd76da1f02a5"/>
+    <ds:schemaRef ds:uri="230e9df3-be65-4c73-a93b-d1236ebd677e"/>
+  </ds:schemaRefs>
+</ds:datastoreItem>
 </file>
 
-<file path=customXml/item3.xml><?xml version="1.0" encoding="utf-8"?>
-<p:properties xmlns:p="http://schemas.microsoft.com/office/2006/metadata/properties" xmlns:xsi="http://www.w3.org/2001/XMLSchema-instance" xmlns:pc="http://schemas.microsoft.com/office/infopath/2007/PartnerControls">
-  <documentManagement>
-    <_ip_UnifiedCompliancePolicyUIAction xmlns="http://schemas.microsoft.com/sharepoint/v3" xsi:nil="true"/>
-    <Image xmlns="71af3243-3dd4-4a8d-8c0d-dd76da1f02a5">
-      <Url xsi:nil="true"/>
-      <Description xsi:nil="true"/>
-    </Image>
-    <Status xmlns="71af3243-3dd4-4a8d-8c0d-dd76da1f02a5">Not started</Status>
-    <Background xmlns="71af3243-3dd4-4a8d-8c0d-dd76da1f02a5">false</Background>
-    <_ip_UnifiedCompliancePolicyProperties xmlns="http://schemas.microsoft.com/sharepoint/v3" xsi:nil="true"/>
-    <ImageTagsTaxHTField xmlns="71af3243-3dd4-4a8d-8c0d-dd76da1f02a5">
-      <Terms xmlns="http://schemas.microsoft.com/office/infopath/2007/PartnerControls"/>
-    </ImageTagsTaxHTField>
-    <TaxCatchAll xmlns="230e9df3-be65-4c73-a93b-d1236ebd677e" xsi:nil="true"/>
-    <MediaServiceKeyPoints xmlns="71af3243-3dd4-4a8d-8c0d-dd76da1f02a5" xsi:nil="true"/>
-  </documentManagement>
-</p:properties>
+<file path=customXml/itemProps2.xml><?xml version="1.0" encoding="utf-8"?>
+<ds:datastoreItem xmlns:ds="http://schemas.openxmlformats.org/officeDocument/2006/customXml" ds:itemID="{4E60708A-6461-4D7F-883F-7E25D731D326}">
+  <ds:schemaRefs>
+    <ds:schemaRef ds:uri="http://schemas.microsoft.com/sharepoint/v3/contenttype/forms"/>
+  </ds:schemaRefs>
+</ds:datastoreItem>
 </file>
 
-<file path=customXml/itemProps1.xml><?xml version="1.0" encoding="utf-8"?>
+<file path=customXml/itemProps3.xml><?xml version="1.0" encoding="utf-8"?>
 <ds:datastoreItem xmlns:ds="http://schemas.openxmlformats.org/officeDocument/2006/customXml" ds:itemID="{2BC90B52-91C7-4BE9-8AE0-180FFFE1100A}">
   <ds:schemaRefs>
     <ds:schemaRef ds:uri="http://schemas.microsoft.com/office/2006/metadata/contentType"/>
@@ -12217,26 +12453,6 @@
 </ds:datastoreItem>
 </file>
 
-<file path=customXml/itemProps2.xml><?xml version="1.0" encoding="utf-8"?>
-<ds:datastoreItem xmlns:ds="http://schemas.openxmlformats.org/officeDocument/2006/customXml" ds:itemID="{4E60708A-6461-4D7F-883F-7E25D731D326}">
-  <ds:schemaRefs>
-    <ds:schemaRef ds:uri="http://schemas.microsoft.com/sharepoint/v3/contenttype/forms"/>
-  </ds:schemaRefs>
-</ds:datastoreItem>
-</file>
-
-<file path=customXml/itemProps3.xml><?xml version="1.0" encoding="utf-8"?>
-<ds:datastoreItem xmlns:ds="http://schemas.openxmlformats.org/officeDocument/2006/customXml" ds:itemID="{E130005B-6102-4F3C-A26F-485DF1BF9717}">
-  <ds:schemaRefs>
-    <ds:schemaRef ds:uri="http://schemas.microsoft.com/office/2006/metadata/properties"/>
-    <ds:schemaRef ds:uri="http://schemas.microsoft.com/office/infopath/2007/PartnerControls"/>
-    <ds:schemaRef ds:uri="http://schemas.microsoft.com/sharepoint/v3"/>
-    <ds:schemaRef ds:uri="71af3243-3dd4-4a8d-8c0d-dd76da1f02a5"/>
-    <ds:schemaRef ds:uri="230e9df3-be65-4c73-a93b-d1236ebd677e"/>
-  </ds:schemaRefs>
-</ds:datastoreItem>
-</file>
-
 <file path=docMetadata/LabelInfo.xml><?xml version="1.0" encoding="utf-8"?>
 <clbl:labelList xmlns:clbl="http://schemas.microsoft.com/office/2020/mipLabelMetadata"/>
 </file>